--- a/pptx_engine/templates/bull-bear/comparison-table.pptx
+++ b/pptx_engine/templates/bull-bear/comparison-table.pptx
@@ -3081,6 +3081,14 @@
 <file path=ppt/slides/slide1.xml><?xml version="1.0" encoding="utf-8"?>
 <p:sld xmlns:a="http://schemas.openxmlformats.org/drawingml/2006/main" xmlns:p="http://schemas.openxmlformats.org/presentationml/2006/main" xmlns:r="http://schemas.openxmlformats.org/officeDocument/2006/relationships">
   <p:cSld>
+    <p:bg>
+      <p:bgPr>
+        <a:solidFill>
+          <a:srgbClr val="212121"/>
+        </a:solidFill>
+        <a:effectLst/>
+      </p:bgPr>
+    </p:bg>
     <p:spTree>
       <p:nvGrpSpPr>
         <p:cNvPr id="1" name=""/>
@@ -3088,118 +3096,28 @@
         <p:nvPr/>
       </p:nvGrpSpPr>
       <p:grpSpPr/>
-      <p:pic>
-        <p:nvPicPr>
-          <p:cNvPr id="2" name="Picture 1" descr="slide_12.png"/>
-          <p:cNvPicPr>
-            <a:picLocks noChangeAspect="1"/>
-          </p:cNvPicPr>
+      <p:sp>
+        <p:nvSpPr>
+          <p:cNvPr id="2" name="Rounded Rectangle 1"/>
+          <p:cNvSpPr/>
           <p:nvPr/>
-        </p:nvPicPr>
-        <p:blipFill>
-          <a:blip r:embed="rId2"/>
-          <a:stretch>
-            <a:fillRect/>
-          </a:stretch>
-        </p:blipFill>
+        </p:nvSpPr>
         <p:spPr>
           <a:xfrm>
-            <a:off x="0" y="0"/>
-            <a:ext cx="24384030" cy="13716000"/>
+            <a:off x="-82570" y="-82570"/>
+            <a:ext cx="24549171" cy="13881232"/>
           </a:xfrm>
-          <a:prstGeom prst="rect">
+          <a:prstGeom prst="roundRect">
             <a:avLst/>
           </a:prstGeom>
-        </p:spPr>
-      </p:pic>
-      <p:sp>
-        <p:nvSpPr>
-          <p:cNvPr id="3" name="breadcrumb"/>
-          <p:cNvSpPr txBox="1"/>
-          <p:nvPr/>
-        </p:nvSpPr>
-        <p:spPr>
-          <a:xfrm>
-            <a:off x="320040" y="164592"/>
-            <a:ext cx="5486400" cy="292608"/>
-          </a:xfrm>
-          <a:prstGeom prst="rect">
-            <a:avLst/>
-          </a:prstGeom>
-          <a:noFill/>
-        </p:spPr>
-        <p:txBody>
-          <a:bodyPr wrap="square">
-            <a:spAutoFit/>
-          </a:bodyPr>
-          <a:lstStyle/>
-          <a:p>
-            <a:pPr algn="l"/>
-            <a:r>
-              <a:rPr sz="1100" b="0">
-                <a:solidFill>
-                  <a:srgbClr val="212121"/>
-                </a:solidFill>
-                <a:latin typeface="Rajdhani"/>
-              </a:rPr>
-              <a:t>{{breadcrumb}}</a:t>
-            </a:r>
-          </a:p>
-        </p:txBody>
-      </p:sp>
-      <p:sp>
-        <p:nvSpPr>
-          <p:cNvPr id="4" name="slide_title"/>
-          <p:cNvSpPr txBox="1"/>
-          <p:nvPr/>
-        </p:nvSpPr>
-        <p:spPr>
-          <a:xfrm>
-            <a:off x="914400" y="502920"/>
-            <a:ext cx="10332720" cy="594360"/>
-          </a:xfrm>
-          <a:prstGeom prst="rect">
-            <a:avLst/>
-          </a:prstGeom>
-          <a:noFill/>
-        </p:spPr>
-        <p:txBody>
-          <a:bodyPr wrap="square">
-            <a:spAutoFit/>
-          </a:bodyPr>
-          <a:lstStyle/>
-          <a:p>
-            <a:pPr algn="ctr"/>
-            <a:r>
-              <a:rPr sz="3600" b="1">
-                <a:solidFill>
-                  <a:srgbClr val="212121"/>
-                </a:solidFill>
-                <a:latin typeface="Rajdhani"/>
-              </a:rPr>
-              <a:t>{{slide_title}}</a:t>
-            </a:r>
-          </a:p>
-        </p:txBody>
-      </p:sp>
-      <p:sp>
-        <p:nvSpPr>
-          <p:cNvPr id="5" name="table_area"/>
-          <p:cNvSpPr/>
-          <p:nvPr/>
-        </p:nvSpPr>
-        <p:spPr>
-          <a:xfrm>
-            <a:off x="731520" y="1645920"/>
-            <a:ext cx="10698480" cy="2926080"/>
-          </a:xfrm>
-          <a:prstGeom prst="rect">
-            <a:avLst/>
-          </a:prstGeom>
-          <a:noFill/>
-          <a:ln w="12700">
+          <a:solidFill>
+            <a:srgbClr val="212121">
+              <a:alpha val="5000"/>
+            </a:srgbClr>
+          </a:solidFill>
+          <a:ln w="50800">
             <a:solidFill>
-              <a:srgbClr val="FEC00F"/>
+              <a:srgbClr val="D6E0DE"/>
             </a:solidFill>
           </a:ln>
         </p:spPr>
@@ -3227,14 +3145,14 @@
       </p:sp>
       <p:sp>
         <p:nvSpPr>
-          <p:cNvPr id="6" name="footnote"/>
+          <p:cNvPr id="3" name="TextBox 2"/>
           <p:cNvSpPr txBox="1"/>
           <p:nvPr/>
         </p:nvSpPr>
         <p:spPr>
           <a:xfrm>
-            <a:off x="457200" y="6355080"/>
-            <a:ext cx="11247120" cy="320040"/>
+            <a:off x="2375154" y="5594573"/>
+            <a:ext cx="19633722" cy="3801160"/>
           </a:xfrm>
           <a:prstGeom prst="rect">
             <a:avLst/>
@@ -3249,13 +3167,118 @@
           <a:p>
             <a:pPr algn="ctr"/>
             <a:r>
-              <a:rPr sz="1000" b="0">
+              <a:rPr sz="7730" b="0" i="0">
+                <a:solidFill>
+                  <a:srgbClr val="000000"/>
+                </a:solidFill>
+                <a:latin typeface="Rajdhani"/>
+              </a:rPr>
+              <a:t>_x0016_</a:t>
+            </a:r>
+          </a:p>
+        </p:txBody>
+      </p:sp>
+      <p:sp>
+        <p:nvSpPr>
+          <p:cNvPr id="4" name="TextBox 3"/>
+          <p:cNvSpPr txBox="1"/>
+          <p:nvPr/>
+        </p:nvSpPr>
+        <p:spPr>
+          <a:xfrm>
+            <a:off x="6458955" y="9903683"/>
+            <a:ext cx="11466118" cy="446135"/>
+          </a:xfrm>
+          <a:prstGeom prst="rect">
+            <a:avLst/>
+          </a:prstGeom>
+          <a:noFill/>
+        </p:spPr>
+        <p:txBody>
+          <a:bodyPr wrap="square">
+            <a:spAutoFit/>
+          </a:bodyPr>
+          <a:lstStyle/>
+          <a:p>
+            <a:pPr algn="ctr"/>
+            <a:r>
+              <a:rPr sz="2000" b="0" i="0">
+                <a:solidFill>
+                  <a:srgbClr val="000000"/>
+                </a:solidFill>
+                <a:latin typeface="Quicksand (TT)"/>
+              </a:rPr>
+              <a:t>*Calculated since common inception (6/1/2002). Source: FastTrack. </a:t>
+            </a:r>
+          </a:p>
+        </p:txBody>
+      </p:sp>
+      <p:sp>
+        <p:nvSpPr>
+          <p:cNvPr id="5" name="TextBox 4"/>
+          <p:cNvSpPr txBox="1"/>
+          <p:nvPr/>
+        </p:nvSpPr>
+        <p:spPr>
+          <a:xfrm>
+            <a:off x="1066830" y="1143000"/>
+            <a:ext cx="5333969" cy="559155"/>
+          </a:xfrm>
+          <a:prstGeom prst="rect">
+            <a:avLst/>
+          </a:prstGeom>
+          <a:noFill/>
+        </p:spPr>
+        <p:txBody>
+          <a:bodyPr wrap="square">
+            <a:spAutoFit/>
+          </a:bodyPr>
+          <a:lstStyle/>
+          <a:p>
+            <a:pPr algn="l"/>
+            <a:r>
+              <a:rPr sz="3600" b="0" i="0">
                 <a:solidFill>
                   <a:srgbClr val="212121"/>
                 </a:solidFill>
-                <a:latin typeface="Quicksand"/>
+                <a:latin typeface="Rajdhani"/>
               </a:rPr>
-              <a:t>{{footnote}}</a:t>
+              <a:t>bull bear strategy</a:t>
+            </a:r>
+          </a:p>
+        </p:txBody>
+      </p:sp>
+      <p:sp>
+        <p:nvSpPr>
+          <p:cNvPr id="6" name="TextBox 5"/>
+          <p:cNvSpPr txBox="1"/>
+          <p:nvPr/>
+        </p:nvSpPr>
+        <p:spPr>
+          <a:xfrm>
+            <a:off x="3853921" y="2475463"/>
+            <a:ext cx="16676187" cy="1623060"/>
+          </a:xfrm>
+          <a:prstGeom prst="rect">
+            <a:avLst/>
+          </a:prstGeom>
+          <a:noFill/>
+        </p:spPr>
+        <p:txBody>
+          <a:bodyPr wrap="square">
+            <a:spAutoFit/>
+          </a:bodyPr>
+          <a:lstStyle/>
+          <a:p>
+            <a:pPr algn="ctr"/>
+            <a:r>
+              <a:rPr sz="6000" b="0" i="0">
+                <a:solidFill>
+                  <a:srgbClr val="212121"/>
+                </a:solidFill>
+                <a:latin typeface="Rajdhani"/>
+              </a:rPr>
+              <a:t>tactical as a diversifier</a:t>
             </a:r>
           </a:p>
         </p:txBody>
